--- a/2019/9月.pptx
+++ b/2019/9月.pptx
@@ -9,6 +9,12 @@
     <p:sldId id="258" r:id="rId3"/>
     <p:sldId id="259" r:id="rId4"/>
     <p:sldId id="260" r:id="rId5"/>
+    <p:sldId id="261" r:id="rId6"/>
+    <p:sldId id="262" r:id="rId7"/>
+    <p:sldId id="263" r:id="rId8"/>
+    <p:sldId id="264" r:id="rId9"/>
+    <p:sldId id="265" r:id="rId10"/>
+    <p:sldId id="266" r:id="rId11"/>
   </p:sldIdLst>
   <p:sldSz cx="9144000" cy="5143500" type="screen16x9"/>
   <p:notesSz cx="6858000" cy="9144000"/>
@@ -291,7 +297,8 @@
           <a:p>
             <a:fld id="{60E4E40C-4DE3-43D1-94F4-B6FCDADA3F6F}" type="datetimeFigureOut">
               <a:rPr lang="en-US" smtClean="0"/>
-              <a:t>9/7/2019</a:t>
+              <a:pPr/>
+              <a:t>9/15/2019</a:t>
             </a:fld>
             <a:endParaRPr lang="en-US"/>
           </a:p>
@@ -333,6 +340,7 @@
           <a:p>
             <a:fld id="{1FAD4B66-F73F-4CF8-81B9-637420CB3090}" type="slidenum">
               <a:rPr lang="en-US" smtClean="0"/>
+              <a:pPr/>
               <a:t>‹#›</a:t>
             </a:fld>
             <a:endParaRPr lang="en-US"/>
@@ -456,7 +464,8 @@
           <a:p>
             <a:fld id="{60E4E40C-4DE3-43D1-94F4-B6FCDADA3F6F}" type="datetimeFigureOut">
               <a:rPr lang="en-US" smtClean="0"/>
-              <a:t>9/7/2019</a:t>
+              <a:pPr/>
+              <a:t>9/15/2019</a:t>
             </a:fld>
             <a:endParaRPr lang="en-US"/>
           </a:p>
@@ -498,6 +507,7 @@
           <a:p>
             <a:fld id="{1FAD4B66-F73F-4CF8-81B9-637420CB3090}" type="slidenum">
               <a:rPr lang="en-US" smtClean="0"/>
+              <a:pPr/>
               <a:t>‹#›</a:t>
             </a:fld>
             <a:endParaRPr lang="en-US"/>
@@ -631,7 +641,8 @@
           <a:p>
             <a:fld id="{60E4E40C-4DE3-43D1-94F4-B6FCDADA3F6F}" type="datetimeFigureOut">
               <a:rPr lang="en-US" smtClean="0"/>
-              <a:t>9/7/2019</a:t>
+              <a:pPr/>
+              <a:t>9/15/2019</a:t>
             </a:fld>
             <a:endParaRPr lang="en-US"/>
           </a:p>
@@ -673,6 +684,7 @@
           <a:p>
             <a:fld id="{1FAD4B66-F73F-4CF8-81B9-637420CB3090}" type="slidenum">
               <a:rPr lang="en-US" smtClean="0"/>
+              <a:pPr/>
               <a:t>‹#›</a:t>
             </a:fld>
             <a:endParaRPr lang="en-US"/>
@@ -796,7 +808,8 @@
           <a:p>
             <a:fld id="{60E4E40C-4DE3-43D1-94F4-B6FCDADA3F6F}" type="datetimeFigureOut">
               <a:rPr lang="en-US" smtClean="0"/>
-              <a:t>9/7/2019</a:t>
+              <a:pPr/>
+              <a:t>9/15/2019</a:t>
             </a:fld>
             <a:endParaRPr lang="en-US"/>
           </a:p>
@@ -838,6 +851,7 @@
           <a:p>
             <a:fld id="{1FAD4B66-F73F-4CF8-81B9-637420CB3090}" type="slidenum">
               <a:rPr lang="en-US" smtClean="0"/>
+              <a:pPr/>
               <a:t>‹#›</a:t>
             </a:fld>
             <a:endParaRPr lang="en-US"/>
@@ -1037,7 +1051,8 @@
           <a:p>
             <a:fld id="{60E4E40C-4DE3-43D1-94F4-B6FCDADA3F6F}" type="datetimeFigureOut">
               <a:rPr lang="en-US" smtClean="0"/>
-              <a:t>9/7/2019</a:t>
+              <a:pPr/>
+              <a:t>9/15/2019</a:t>
             </a:fld>
             <a:endParaRPr lang="en-US"/>
           </a:p>
@@ -1079,6 +1094,7 @@
           <a:p>
             <a:fld id="{1FAD4B66-F73F-4CF8-81B9-637420CB3090}" type="slidenum">
               <a:rPr lang="en-US" smtClean="0"/>
+              <a:pPr/>
               <a:t>‹#›</a:t>
             </a:fld>
             <a:endParaRPr lang="en-US"/>
@@ -1320,7 +1336,8 @@
           <a:p>
             <a:fld id="{60E4E40C-4DE3-43D1-94F4-B6FCDADA3F6F}" type="datetimeFigureOut">
               <a:rPr lang="en-US" smtClean="0"/>
-              <a:t>9/7/2019</a:t>
+              <a:pPr/>
+              <a:t>9/15/2019</a:t>
             </a:fld>
             <a:endParaRPr lang="en-US"/>
           </a:p>
@@ -1362,6 +1379,7 @@
           <a:p>
             <a:fld id="{1FAD4B66-F73F-4CF8-81B9-637420CB3090}" type="slidenum">
               <a:rPr lang="en-US" smtClean="0"/>
+              <a:pPr/>
               <a:t>‹#›</a:t>
             </a:fld>
             <a:endParaRPr lang="en-US"/>
@@ -1737,7 +1755,8 @@
           <a:p>
             <a:fld id="{60E4E40C-4DE3-43D1-94F4-B6FCDADA3F6F}" type="datetimeFigureOut">
               <a:rPr lang="en-US" smtClean="0"/>
-              <a:t>9/7/2019</a:t>
+              <a:pPr/>
+              <a:t>9/15/2019</a:t>
             </a:fld>
             <a:endParaRPr lang="en-US"/>
           </a:p>
@@ -1779,6 +1798,7 @@
           <a:p>
             <a:fld id="{1FAD4B66-F73F-4CF8-81B9-637420CB3090}" type="slidenum">
               <a:rPr lang="en-US" smtClean="0"/>
+              <a:pPr/>
               <a:t>‹#›</a:t>
             </a:fld>
             <a:endParaRPr lang="en-US"/>
@@ -1850,7 +1870,8 @@
           <a:p>
             <a:fld id="{60E4E40C-4DE3-43D1-94F4-B6FCDADA3F6F}" type="datetimeFigureOut">
               <a:rPr lang="en-US" smtClean="0"/>
-              <a:t>9/7/2019</a:t>
+              <a:pPr/>
+              <a:t>9/15/2019</a:t>
             </a:fld>
             <a:endParaRPr lang="en-US"/>
           </a:p>
@@ -1892,6 +1913,7 @@
           <a:p>
             <a:fld id="{1FAD4B66-F73F-4CF8-81B9-637420CB3090}" type="slidenum">
               <a:rPr lang="en-US" smtClean="0"/>
+              <a:pPr/>
               <a:t>‹#›</a:t>
             </a:fld>
             <a:endParaRPr lang="en-US"/>
@@ -1940,7 +1962,8 @@
           <a:p>
             <a:fld id="{60E4E40C-4DE3-43D1-94F4-B6FCDADA3F6F}" type="datetimeFigureOut">
               <a:rPr lang="en-US" smtClean="0"/>
-              <a:t>9/7/2019</a:t>
+              <a:pPr/>
+              <a:t>9/15/2019</a:t>
             </a:fld>
             <a:endParaRPr lang="en-US"/>
           </a:p>
@@ -1982,6 +2005,7 @@
           <a:p>
             <a:fld id="{1FAD4B66-F73F-4CF8-81B9-637420CB3090}" type="slidenum">
               <a:rPr lang="en-US" smtClean="0"/>
+              <a:pPr/>
               <a:t>‹#›</a:t>
             </a:fld>
             <a:endParaRPr lang="en-US"/>
@@ -2212,7 +2236,8 @@
           <a:p>
             <a:fld id="{60E4E40C-4DE3-43D1-94F4-B6FCDADA3F6F}" type="datetimeFigureOut">
               <a:rPr lang="en-US" smtClean="0"/>
-              <a:t>9/7/2019</a:t>
+              <a:pPr/>
+              <a:t>9/15/2019</a:t>
             </a:fld>
             <a:endParaRPr lang="en-US"/>
           </a:p>
@@ -2254,6 +2279,7 @@
           <a:p>
             <a:fld id="{1FAD4B66-F73F-4CF8-81B9-637420CB3090}" type="slidenum">
               <a:rPr lang="en-US" smtClean="0"/>
+              <a:pPr/>
               <a:t>‹#›</a:t>
             </a:fld>
             <a:endParaRPr lang="en-US"/>
@@ -2464,7 +2490,8 @@
           <a:p>
             <a:fld id="{60E4E40C-4DE3-43D1-94F4-B6FCDADA3F6F}" type="datetimeFigureOut">
               <a:rPr lang="en-US" smtClean="0"/>
-              <a:t>9/7/2019</a:t>
+              <a:pPr/>
+              <a:t>9/15/2019</a:t>
             </a:fld>
             <a:endParaRPr lang="en-US"/>
           </a:p>
@@ -2506,6 +2533,7 @@
           <a:p>
             <a:fld id="{1FAD4B66-F73F-4CF8-81B9-637420CB3090}" type="slidenum">
               <a:rPr lang="en-US" smtClean="0"/>
+              <a:pPr/>
               <a:t>‹#›</a:t>
             </a:fld>
             <a:endParaRPr lang="en-US"/>
@@ -2677,7 +2705,8 @@
           <a:p>
             <a:fld id="{60E4E40C-4DE3-43D1-94F4-B6FCDADA3F6F}" type="datetimeFigureOut">
               <a:rPr lang="en-US" smtClean="0"/>
-              <a:t>9/7/2019</a:t>
+              <a:pPr/>
+              <a:t>9/15/2019</a:t>
             </a:fld>
             <a:endParaRPr lang="en-US"/>
           </a:p>
@@ -2755,6 +2784,7 @@
           <a:p>
             <a:fld id="{1FAD4B66-F73F-4CF8-81B9-637420CB3090}" type="slidenum">
               <a:rPr lang="en-US" smtClean="0"/>
+              <a:pPr/>
               <a:t>‹#›</a:t>
             </a:fld>
             <a:endParaRPr lang="en-US"/>
@@ -3067,7 +3097,7 @@
             <a:r>
               <a:rPr lang="zh-CN" altLang="en-US" sz="4000" b="1" dirty="0" smtClean="0">
                 <a:solidFill>
-                  <a:srgbClr val="FF0000"/>
+                  <a:srgbClr val="C00000"/>
                 </a:solidFill>
                 <a:latin typeface="Microsoft JhengHei" pitchFamily="34" charset="-120"/>
                 <a:ea typeface="Microsoft JhengHei" pitchFamily="34" charset="-120"/>
@@ -3076,7 +3106,7 @@
             </a:r>
             <a:endParaRPr lang="zh-TW" altLang="en-US" sz="4000" b="1" dirty="0">
               <a:solidFill>
-                <a:srgbClr val="FF0000"/>
+                <a:srgbClr val="C00000"/>
               </a:solidFill>
               <a:latin typeface="Microsoft JhengHei" pitchFamily="34" charset="-120"/>
               <a:ea typeface="Microsoft JhengHei" pitchFamily="34" charset="-120"/>
@@ -3112,7 +3142,7 @@
             <a:r>
               <a:rPr lang="zh-TW" altLang="en-US" sz="4800" b="1" dirty="0" smtClean="0">
                 <a:solidFill>
-                  <a:srgbClr val="FF0000"/>
+                  <a:srgbClr val="C00000"/>
                 </a:solidFill>
                 <a:latin typeface="Microsoft JhengHei" pitchFamily="34" charset="-120"/>
                 <a:ea typeface="Microsoft JhengHei" pitchFamily="34" charset="-120"/>
@@ -3121,7 +3151,7 @@
             </a:r>
             <a:endParaRPr lang="en-US" altLang="zh-TW" sz="4800" b="1" dirty="0" smtClean="0">
               <a:solidFill>
-                <a:srgbClr val="FF0000"/>
+                <a:srgbClr val="C00000"/>
               </a:solidFill>
               <a:latin typeface="Microsoft JhengHei" pitchFamily="34" charset="-120"/>
               <a:ea typeface="Microsoft JhengHei" pitchFamily="34" charset="-120"/>
@@ -3134,22 +3164,42 @@
             <a:r>
               <a:rPr lang="zh-TW" altLang="en-US" sz="4800" b="1" dirty="0" smtClean="0">
                 <a:solidFill>
-                  <a:srgbClr val="FF0000"/>
+                  <a:srgbClr val="C00000"/>
                 </a:solidFill>
                 <a:latin typeface="Microsoft JhengHei" pitchFamily="34" charset="-120"/>
                 <a:ea typeface="Microsoft JhengHei" pitchFamily="34" charset="-120"/>
               </a:rPr>
-              <a:t>活水淙淙湧流</a:t>
-            </a:r>
-          </a:p>
-          <a:p>
-            <a:pPr algn="ctr">
-              <a:buNone/>
-            </a:pPr>
+              <a:t>活水</a:t>
+            </a:r>
+            <a:r>
+              <a:rPr lang="zh-CN" altLang="en-US" sz="4800" b="1" dirty="0" smtClean="0">
+                <a:solidFill>
+                  <a:srgbClr val="C00000"/>
+                </a:solidFill>
+                <a:latin typeface="Microsoft JhengHei" pitchFamily="34" charset="-120"/>
+                <a:ea typeface="Microsoft JhengHei" pitchFamily="34" charset="-120"/>
+              </a:rPr>
+              <a:t>衝衝</a:t>
+            </a:r>
             <a:r>
               <a:rPr lang="zh-TW" altLang="en-US" sz="4800" b="1" dirty="0" smtClean="0">
                 <a:solidFill>
-                  <a:srgbClr val="FF0000"/>
+                  <a:srgbClr val="C00000"/>
+                </a:solidFill>
+                <a:latin typeface="Microsoft JhengHei" pitchFamily="34" charset="-120"/>
+                <a:ea typeface="Microsoft JhengHei" pitchFamily="34" charset="-120"/>
+              </a:rPr>
+              <a:t>湧流</a:t>
+            </a:r>
+          </a:p>
+          <a:p>
+            <a:pPr algn="ctr">
+              <a:buNone/>
+            </a:pPr>
+            <a:r>
+              <a:rPr lang="zh-TW" altLang="en-US" sz="4800" b="1" dirty="0" smtClean="0">
+                <a:solidFill>
+                  <a:srgbClr val="C00000"/>
                 </a:solidFill>
                 <a:latin typeface="Microsoft JhengHei" pitchFamily="34" charset="-120"/>
                 <a:ea typeface="Microsoft JhengHei" pitchFamily="34" charset="-120"/>
@@ -3158,7 +3208,7 @@
             </a:r>
             <a:endParaRPr lang="en-US" altLang="zh-TW" sz="4800" b="1" dirty="0" smtClean="0">
               <a:solidFill>
-                <a:srgbClr val="FF0000"/>
+                <a:srgbClr val="C00000"/>
               </a:solidFill>
               <a:latin typeface="Microsoft JhengHei" pitchFamily="34" charset="-120"/>
               <a:ea typeface="Microsoft JhengHei" pitchFamily="34" charset="-120"/>
@@ -3171,7 +3221,7 @@
             <a:r>
               <a:rPr lang="zh-TW" altLang="en-US" sz="4800" b="1" dirty="0" smtClean="0">
                 <a:solidFill>
-                  <a:srgbClr val="FF0000"/>
+                  <a:srgbClr val="C00000"/>
                 </a:solidFill>
                 <a:latin typeface="Microsoft JhengHei" pitchFamily="34" charset="-120"/>
                 <a:ea typeface="Microsoft JhengHei" pitchFamily="34" charset="-120"/>
@@ -3180,7 +3230,7 @@
             </a:r>
             <a:endParaRPr lang="en-US" altLang="zh-TW" sz="4800" b="1" dirty="0" smtClean="0">
               <a:solidFill>
-                <a:srgbClr val="FF0000"/>
+                <a:srgbClr val="C00000"/>
               </a:solidFill>
               <a:latin typeface="Microsoft JhengHei" pitchFamily="34" charset="-120"/>
               <a:ea typeface="Microsoft JhengHei" pitchFamily="34" charset="-120"/>
@@ -3191,7 +3241,128 @@
     </p:spTree>
     <p:extLst>
       <p:ext uri="{BB962C8B-B14F-4D97-AF65-F5344CB8AC3E}">
-        <p14:creationId xmlns:p14="http://schemas.microsoft.com/office/powerpoint/2010/main" val="3567590283"/>
+        <p14:creationId xmlns:p14="http://schemas.microsoft.com/office/powerpoint/2010/main" xmlns="" val="3567590283"/>
+      </p:ext>
+    </p:extLst>
+  </p:cSld>
+  <p:clrMapOvr>
+    <a:masterClrMapping/>
+  </p:clrMapOvr>
+  <p:timing>
+    <p:tnLst>
+      <p:par>
+        <p:cTn id="1" dur="indefinite" restart="never" nodeType="tmRoot"/>
+      </p:par>
+    </p:tnLst>
+  </p:timing>
+</p:sld>
+</file>
+
+<file path=ppt/slides/slide10.xml><?xml version="1.0" encoding="utf-8"?>
+<p:sld xmlns:a="http://schemas.openxmlformats.org/drawingml/2006/main" xmlns:r="http://schemas.openxmlformats.org/officeDocument/2006/relationships" xmlns:p="http://schemas.openxmlformats.org/presentationml/2006/main">
+  <p:cSld>
+    <p:spTree>
+      <p:nvGrpSpPr>
+        <p:cNvPr id="1" name=""/>
+        <p:cNvGrpSpPr/>
+        <p:nvPr/>
+      </p:nvGrpSpPr>
+      <p:grpSpPr>
+        <a:xfrm>
+          <a:off x="0" y="0"/>
+          <a:ext cx="0" cy="0"/>
+          <a:chOff x="0" y="0"/>
+          <a:chExt cx="0" cy="0"/>
+        </a:xfrm>
+      </p:grpSpPr>
+      <p:sp>
+        <p:nvSpPr>
+          <p:cNvPr id="2" name="Title 1"/>
+          <p:cNvSpPr>
+            <a:spLocks noGrp="1"/>
+          </p:cNvSpPr>
+          <p:nvPr>
+            <p:ph type="title"/>
+          </p:nvPr>
+        </p:nvSpPr>
+        <p:spPr/>
+        <p:txBody>
+          <a:bodyPr/>
+          <a:lstStyle/>
+          <a:p>
+            <a:r>
+              <a:rPr lang="zh-CN" altLang="en-US" b="1" dirty="0" smtClean="0">
+                <a:latin typeface="Microsoft JhengHei" pitchFamily="34" charset="-120"/>
+                <a:ea typeface="Microsoft JhengHei" pitchFamily="34" charset="-120"/>
+              </a:rPr>
+              <a:t>齊來背十誡</a:t>
+            </a:r>
+            <a:endParaRPr lang="en-US" b="1" dirty="0">
+              <a:latin typeface="Microsoft JhengHei" pitchFamily="34" charset="-120"/>
+              <a:ea typeface="Microsoft JhengHei" pitchFamily="34" charset="-120"/>
+            </a:endParaRPr>
+          </a:p>
+        </p:txBody>
+      </p:sp>
+      <p:sp>
+        <p:nvSpPr>
+          <p:cNvPr id="3" name="Content Placeholder 2"/>
+          <p:cNvSpPr>
+            <a:spLocks noGrp="1"/>
+          </p:cNvSpPr>
+          <p:nvPr>
+            <p:ph idx="1"/>
+          </p:nvPr>
+        </p:nvSpPr>
+        <p:spPr>
+          <a:xfrm>
+            <a:off x="0" y="1200151"/>
+            <a:ext cx="9144000" cy="3394472"/>
+          </a:xfrm>
+        </p:spPr>
+        <p:txBody>
+          <a:bodyPr>
+            <a:normAutofit/>
+          </a:bodyPr>
+          <a:lstStyle/>
+          <a:p>
+            <a:pPr marL="0" indent="0" algn="ctr">
+              <a:buNone/>
+            </a:pPr>
+            <a:r>
+              <a:rPr lang="zh-CN" altLang="en-US" sz="4800" b="1" dirty="0" smtClean="0">
+                <a:latin typeface="Microsoft JhengHei" pitchFamily="34" charset="-120"/>
+                <a:ea typeface="Microsoft JhengHei" pitchFamily="34" charset="-120"/>
+              </a:rPr>
+              <a:t>還切記心裡不應起貪念</a:t>
+            </a:r>
+            <a:endParaRPr lang="en-US" altLang="zh-CN" sz="4800" b="1" dirty="0" smtClean="0">
+              <a:latin typeface="Microsoft JhengHei" pitchFamily="34" charset="-120"/>
+              <a:ea typeface="Microsoft JhengHei" pitchFamily="34" charset="-120"/>
+            </a:endParaRPr>
+          </a:p>
+          <a:p>
+            <a:pPr marL="0" indent="0" algn="ctr">
+              <a:buNone/>
+            </a:pPr>
+            <a:r>
+              <a:rPr lang="zh-CN" altLang="en-US" sz="4800" b="1" dirty="0" smtClean="0">
+                <a:latin typeface="Microsoft JhengHei" pitchFamily="34" charset="-120"/>
+                <a:ea typeface="Microsoft JhengHei" pitchFamily="34" charset="-120"/>
+              </a:rPr>
+              <a:t>十誡就這樣背晒</a:t>
+            </a:r>
+            <a:endParaRPr lang="en-US" sz="4800" b="1" dirty="0">
+              <a:latin typeface="Microsoft JhengHei" pitchFamily="34" charset="-120"/>
+              <a:ea typeface="Microsoft JhengHei" pitchFamily="34" charset="-120"/>
+            </a:endParaRPr>
+          </a:p>
+        </p:txBody>
+      </p:sp>
+    </p:spTree>
+    <p:extLst>
+      <p:ext uri="{BB962C8B-B14F-4D97-AF65-F5344CB8AC3E}">
+        <p14:creationId xmlns:p14="http://schemas.microsoft.com/office/powerpoint/2010/main" xmlns="" val="2171381558"/>
       </p:ext>
     </p:extLst>
   </p:cSld>
@@ -3238,7 +3409,7 @@
             <a:r>
               <a:rPr lang="zh-CN" altLang="en-US" sz="4000" b="1" dirty="0">
                 <a:solidFill>
-                  <a:srgbClr val="FF0000"/>
+                  <a:srgbClr val="C00000"/>
                 </a:solidFill>
                 <a:latin typeface="Microsoft JhengHei" pitchFamily="34" charset="-120"/>
                 <a:ea typeface="Microsoft JhengHei" pitchFamily="34" charset="-120"/>
@@ -3247,7 +3418,7 @@
             </a:r>
             <a:endParaRPr lang="zh-TW" altLang="en-US" sz="4000" b="1" dirty="0">
               <a:solidFill>
-                <a:srgbClr val="FF0000"/>
+                <a:srgbClr val="C00000"/>
               </a:solidFill>
               <a:latin typeface="Microsoft JhengHei" pitchFamily="34" charset="-120"/>
               <a:ea typeface="Microsoft JhengHei" pitchFamily="34" charset="-120"/>
@@ -3283,7 +3454,7 @@
             <a:r>
               <a:rPr lang="zh-TW" altLang="en-US" sz="4800" b="1" dirty="0">
                 <a:solidFill>
-                  <a:srgbClr val="FF0000"/>
+                  <a:srgbClr val="C00000"/>
                 </a:solidFill>
                 <a:latin typeface="Microsoft JhengHei" pitchFamily="34" charset="-120"/>
                 <a:ea typeface="Microsoft JhengHei" pitchFamily="34" charset="-120"/>
@@ -3292,7 +3463,7 @@
             </a:r>
             <a:endParaRPr lang="en-US" altLang="zh-TW" sz="4800" b="1" dirty="0">
               <a:solidFill>
-                <a:srgbClr val="FF0000"/>
+                <a:srgbClr val="C00000"/>
               </a:solidFill>
               <a:latin typeface="Microsoft JhengHei" pitchFamily="34" charset="-120"/>
               <a:ea typeface="Microsoft JhengHei" pitchFamily="34" charset="-120"/>
@@ -3305,7 +3476,7 @@
             <a:r>
               <a:rPr lang="zh-TW" altLang="en-US" sz="4800" b="1" dirty="0">
                 <a:solidFill>
-                  <a:srgbClr val="FF0000"/>
+                  <a:srgbClr val="C00000"/>
                 </a:solidFill>
                 <a:latin typeface="Microsoft JhengHei" pitchFamily="34" charset="-120"/>
                 <a:ea typeface="Microsoft JhengHei" pitchFamily="34" charset="-120"/>
@@ -3320,7 +3491,7 @@
             <a:r>
               <a:rPr lang="zh-TW" altLang="en-US" sz="4800" b="1" dirty="0">
                 <a:solidFill>
-                  <a:srgbClr val="FF0000"/>
+                  <a:srgbClr val="C00000"/>
                 </a:solidFill>
                 <a:latin typeface="Microsoft JhengHei" pitchFamily="34" charset="-120"/>
                 <a:ea typeface="Microsoft JhengHei" pitchFamily="34" charset="-120"/>
@@ -3329,7 +3500,7 @@
             </a:r>
             <a:endParaRPr lang="en-US" altLang="zh-TW" sz="4800" b="1" dirty="0">
               <a:solidFill>
-                <a:srgbClr val="FF0000"/>
+                <a:srgbClr val="C00000"/>
               </a:solidFill>
               <a:latin typeface="Microsoft JhengHei" pitchFamily="34" charset="-120"/>
               <a:ea typeface="Microsoft JhengHei" pitchFamily="34" charset="-120"/>
@@ -3342,7 +3513,7 @@
             <a:r>
               <a:rPr lang="zh-TW" altLang="en-US" sz="4800" b="1" dirty="0">
                 <a:solidFill>
-                  <a:srgbClr val="FF0000"/>
+                  <a:srgbClr val="C00000"/>
                 </a:solidFill>
                 <a:latin typeface="Microsoft JhengHei" pitchFamily="34" charset="-120"/>
                 <a:ea typeface="Microsoft JhengHei" pitchFamily="34" charset="-120"/>
@@ -3355,13 +3526,20 @@
     </p:spTree>
     <p:extLst>
       <p:ext uri="{BB962C8B-B14F-4D97-AF65-F5344CB8AC3E}">
-        <p14:creationId xmlns:p14="http://schemas.microsoft.com/office/powerpoint/2010/main" val="1567972749"/>
+        <p14:creationId xmlns:p14="http://schemas.microsoft.com/office/powerpoint/2010/main" xmlns="" val="1567972749"/>
       </p:ext>
     </p:extLst>
   </p:cSld>
   <p:clrMapOvr>
     <a:masterClrMapping/>
   </p:clrMapOvr>
+  <p:timing>
+    <p:tnLst>
+      <p:par>
+        <p:cTn id="1" dur="indefinite" restart="never" nodeType="tmRoot"/>
+      </p:par>
+    </p:tnLst>
+  </p:timing>
 </p:sld>
 </file>
 
@@ -3544,13 +3722,20 @@
     </p:spTree>
     <p:extLst>
       <p:ext uri="{BB962C8B-B14F-4D97-AF65-F5344CB8AC3E}">
-        <p14:creationId xmlns:p14="http://schemas.microsoft.com/office/powerpoint/2010/main" val="3951946685"/>
+        <p14:creationId xmlns:p14="http://schemas.microsoft.com/office/powerpoint/2010/main" xmlns="" val="3951946685"/>
       </p:ext>
     </p:extLst>
   </p:cSld>
   <p:clrMapOvr>
     <a:masterClrMapping/>
   </p:clrMapOvr>
+  <p:timing>
+    <p:tnLst>
+      <p:par>
+        <p:cTn id="1" dur="indefinite" restart="never" nodeType="tmRoot"/>
+      </p:par>
+    </p:tnLst>
+  </p:timing>
 </p:sld>
 </file>
 
@@ -3682,7 +3867,820 @@
     </p:spTree>
     <p:extLst>
       <p:ext uri="{BB962C8B-B14F-4D97-AF65-F5344CB8AC3E}">
-        <p14:creationId xmlns:p14="http://schemas.microsoft.com/office/powerpoint/2010/main" val="711146041"/>
+        <p14:creationId xmlns:p14="http://schemas.microsoft.com/office/powerpoint/2010/main" xmlns="" val="711146041"/>
+      </p:ext>
+    </p:extLst>
+  </p:cSld>
+  <p:clrMapOvr>
+    <a:masterClrMapping/>
+  </p:clrMapOvr>
+</p:sld>
+</file>
+
+<file path=ppt/slides/slide5.xml><?xml version="1.0" encoding="utf-8"?>
+<p:sld xmlns:a="http://schemas.openxmlformats.org/drawingml/2006/main" xmlns:r="http://schemas.openxmlformats.org/officeDocument/2006/relationships" xmlns:p="http://schemas.openxmlformats.org/presentationml/2006/main">
+  <p:cSld>
+    <p:spTree>
+      <p:nvGrpSpPr>
+        <p:cNvPr id="1" name=""/>
+        <p:cNvGrpSpPr/>
+        <p:nvPr/>
+      </p:nvGrpSpPr>
+      <p:grpSpPr>
+        <a:xfrm>
+          <a:off x="0" y="0"/>
+          <a:ext cx="0" cy="0"/>
+          <a:chOff x="0" y="0"/>
+          <a:chExt cx="0" cy="0"/>
+        </a:xfrm>
+      </p:grpSpPr>
+      <p:sp>
+        <p:nvSpPr>
+          <p:cNvPr id="2" name="Title 1"/>
+          <p:cNvSpPr>
+            <a:spLocks noGrp="1"/>
+          </p:cNvSpPr>
+          <p:nvPr>
+            <p:ph type="title"/>
+          </p:nvPr>
+        </p:nvSpPr>
+        <p:spPr/>
+        <p:txBody>
+          <a:bodyPr/>
+          <a:lstStyle/>
+          <a:p>
+            <a:r>
+              <a:rPr lang="zh-CN" altLang="en-US" b="1" dirty="0" smtClean="0">
+                <a:latin typeface="Microsoft JhengHei" pitchFamily="34" charset="-120"/>
+                <a:ea typeface="Microsoft JhengHei" pitchFamily="34" charset="-120"/>
+              </a:rPr>
+              <a:t>齊來背十誡</a:t>
+            </a:r>
+            <a:endParaRPr lang="en-US" b="1" dirty="0">
+              <a:latin typeface="Microsoft JhengHei" pitchFamily="34" charset="-120"/>
+              <a:ea typeface="Microsoft JhengHei" pitchFamily="34" charset="-120"/>
+            </a:endParaRPr>
+          </a:p>
+        </p:txBody>
+      </p:sp>
+      <p:sp>
+        <p:nvSpPr>
+          <p:cNvPr id="3" name="Content Placeholder 2"/>
+          <p:cNvSpPr>
+            <a:spLocks noGrp="1"/>
+          </p:cNvSpPr>
+          <p:nvPr>
+            <p:ph idx="1"/>
+          </p:nvPr>
+        </p:nvSpPr>
+        <p:spPr>
+          <a:xfrm>
+            <a:off x="0" y="1200151"/>
+            <a:ext cx="9144000" cy="3394472"/>
+          </a:xfrm>
+        </p:spPr>
+        <p:txBody>
+          <a:bodyPr>
+            <a:normAutofit/>
+          </a:bodyPr>
+          <a:lstStyle/>
+          <a:p>
+            <a:pPr marL="0" indent="0" algn="ctr">
+              <a:buNone/>
+            </a:pPr>
+            <a:r>
+              <a:rPr lang="zh-CN" altLang="en-US" sz="4800" b="1" dirty="0" smtClean="0">
+                <a:latin typeface="Microsoft JhengHei" pitchFamily="34" charset="-120"/>
+                <a:ea typeface="Microsoft JhengHei" pitchFamily="34" charset="-120"/>
+              </a:rPr>
+              <a:t>十誡是十誡</a:t>
+            </a:r>
+            <a:r>
+              <a:rPr lang="en-US" altLang="zh-CN" sz="4800" b="1" dirty="0">
+                <a:latin typeface="Microsoft JhengHei" pitchFamily="34" charset="-120"/>
+                <a:ea typeface="Microsoft JhengHei" pitchFamily="34" charset="-120"/>
+              </a:rPr>
+              <a:t> </a:t>
+            </a:r>
+            <a:r>
+              <a:rPr lang="en-US" altLang="zh-CN" sz="4800" b="1" dirty="0" smtClean="0">
+                <a:latin typeface="Microsoft JhengHei" pitchFamily="34" charset="-120"/>
+                <a:ea typeface="Microsoft JhengHei" pitchFamily="34" charset="-120"/>
+              </a:rPr>
+              <a:t>  </a:t>
+            </a:r>
+            <a:r>
+              <a:rPr lang="zh-CN" altLang="en-US" sz="4800" b="1" dirty="0" smtClean="0">
+                <a:latin typeface="Microsoft JhengHei" pitchFamily="34" charset="-120"/>
+                <a:ea typeface="Microsoft JhengHei" pitchFamily="34" charset="-120"/>
+              </a:rPr>
+              <a:t>你</a:t>
+            </a:r>
+            <a:r>
+              <a:rPr lang="zh-CN" altLang="en-US" sz="4800" b="1" dirty="0">
+                <a:latin typeface="Microsoft JhengHei" pitchFamily="34" charset="-120"/>
+                <a:ea typeface="Microsoft JhengHei" pitchFamily="34" charset="-120"/>
+              </a:rPr>
+              <a:t>我也</a:t>
+            </a:r>
+            <a:r>
+              <a:rPr lang="zh-CN" altLang="en-US" sz="4800" b="1" dirty="0" smtClean="0">
+                <a:latin typeface="Microsoft JhengHei" pitchFamily="34" charset="-120"/>
+                <a:ea typeface="Microsoft JhengHei" pitchFamily="34" charset="-120"/>
+              </a:rPr>
+              <a:t>當守十誡</a:t>
+            </a:r>
+            <a:endParaRPr lang="en-US" altLang="zh-CN" sz="4800" b="1" dirty="0" smtClean="0">
+              <a:latin typeface="Microsoft JhengHei" pitchFamily="34" charset="-120"/>
+              <a:ea typeface="Microsoft JhengHei" pitchFamily="34" charset="-120"/>
+            </a:endParaRPr>
+          </a:p>
+          <a:p>
+            <a:pPr marL="0" indent="0" algn="ctr">
+              <a:buNone/>
+            </a:pPr>
+            <a:r>
+              <a:rPr lang="zh-CN" altLang="en-US" sz="4800" b="1" dirty="0" smtClean="0">
+                <a:latin typeface="Microsoft JhengHei" pitchFamily="34" charset="-120"/>
+                <a:ea typeface="Microsoft JhengHei" pitchFamily="34" charset="-120"/>
+              </a:rPr>
+              <a:t>誰快   誰人快</a:t>
+            </a:r>
+            <a:endParaRPr lang="en-US" altLang="zh-CN" sz="4800" b="1" dirty="0" smtClean="0">
+              <a:latin typeface="Microsoft JhengHei" pitchFamily="34" charset="-120"/>
+              <a:ea typeface="Microsoft JhengHei" pitchFamily="34" charset="-120"/>
+            </a:endParaRPr>
+          </a:p>
+          <a:p>
+            <a:pPr marL="0" indent="0" algn="ctr">
+              <a:buNone/>
+            </a:pPr>
+            <a:r>
+              <a:rPr lang="zh-CN" altLang="en-US" sz="4800" b="1" dirty="0">
+                <a:latin typeface="Microsoft JhengHei" pitchFamily="34" charset="-120"/>
+                <a:ea typeface="Microsoft JhengHei" pitchFamily="34" charset="-120"/>
+              </a:rPr>
+              <a:t>誰</a:t>
+            </a:r>
+            <a:r>
+              <a:rPr lang="zh-CN" altLang="en-US" sz="4800" b="1" dirty="0" smtClean="0">
+                <a:latin typeface="Microsoft JhengHei" pitchFamily="34" charset="-120"/>
+                <a:ea typeface="Microsoft JhengHei" pitchFamily="34" charset="-120"/>
+              </a:rPr>
+              <a:t>能夠最背得快</a:t>
+            </a:r>
+            <a:endParaRPr lang="en-US" sz="4800" b="1" dirty="0">
+              <a:latin typeface="Microsoft JhengHei" pitchFamily="34" charset="-120"/>
+              <a:ea typeface="Microsoft JhengHei" pitchFamily="34" charset="-120"/>
+            </a:endParaRPr>
+          </a:p>
+        </p:txBody>
+      </p:sp>
+    </p:spTree>
+    <p:extLst>
+      <p:ext uri="{BB962C8B-B14F-4D97-AF65-F5344CB8AC3E}">
+        <p14:creationId xmlns:p14="http://schemas.microsoft.com/office/powerpoint/2010/main" xmlns="" val="42310119"/>
+      </p:ext>
+    </p:extLst>
+  </p:cSld>
+  <p:clrMapOvr>
+    <a:masterClrMapping/>
+  </p:clrMapOvr>
+</p:sld>
+</file>
+
+<file path=ppt/slides/slide6.xml><?xml version="1.0" encoding="utf-8"?>
+<p:sld xmlns:a="http://schemas.openxmlformats.org/drawingml/2006/main" xmlns:r="http://schemas.openxmlformats.org/officeDocument/2006/relationships" xmlns:p="http://schemas.openxmlformats.org/presentationml/2006/main">
+  <p:cSld>
+    <p:spTree>
+      <p:nvGrpSpPr>
+        <p:cNvPr id="1" name=""/>
+        <p:cNvGrpSpPr/>
+        <p:nvPr/>
+      </p:nvGrpSpPr>
+      <p:grpSpPr>
+        <a:xfrm>
+          <a:off x="0" y="0"/>
+          <a:ext cx="0" cy="0"/>
+          <a:chOff x="0" y="0"/>
+          <a:chExt cx="0" cy="0"/>
+        </a:xfrm>
+      </p:grpSpPr>
+      <p:sp>
+        <p:nvSpPr>
+          <p:cNvPr id="2" name="Title 1"/>
+          <p:cNvSpPr>
+            <a:spLocks noGrp="1"/>
+          </p:cNvSpPr>
+          <p:nvPr>
+            <p:ph type="title"/>
+          </p:nvPr>
+        </p:nvSpPr>
+        <p:spPr/>
+        <p:txBody>
+          <a:bodyPr/>
+          <a:lstStyle/>
+          <a:p>
+            <a:r>
+              <a:rPr lang="zh-CN" altLang="en-US" b="1" dirty="0" smtClean="0">
+                <a:latin typeface="Microsoft JhengHei" pitchFamily="34" charset="-120"/>
+                <a:ea typeface="Microsoft JhengHei" pitchFamily="34" charset="-120"/>
+              </a:rPr>
+              <a:t>齊來背十誡</a:t>
+            </a:r>
+            <a:endParaRPr lang="en-US" b="1" dirty="0">
+              <a:latin typeface="Microsoft JhengHei" pitchFamily="34" charset="-120"/>
+              <a:ea typeface="Microsoft JhengHei" pitchFamily="34" charset="-120"/>
+            </a:endParaRPr>
+          </a:p>
+        </p:txBody>
+      </p:sp>
+      <p:sp>
+        <p:nvSpPr>
+          <p:cNvPr id="3" name="Content Placeholder 2"/>
+          <p:cNvSpPr>
+            <a:spLocks noGrp="1"/>
+          </p:cNvSpPr>
+          <p:nvPr>
+            <p:ph idx="1"/>
+          </p:nvPr>
+        </p:nvSpPr>
+        <p:spPr>
+          <a:xfrm>
+            <a:off x="0" y="1200151"/>
+            <a:ext cx="9144000" cy="3394472"/>
+          </a:xfrm>
+        </p:spPr>
+        <p:txBody>
+          <a:bodyPr>
+            <a:normAutofit lnSpcReduction="10000"/>
+          </a:bodyPr>
+          <a:lstStyle/>
+          <a:p>
+            <a:pPr marL="0" indent="0" algn="ctr">
+              <a:buNone/>
+            </a:pPr>
+            <a:r>
+              <a:rPr lang="zh-CN" altLang="en-US" sz="4800" b="1" dirty="0">
+                <a:latin typeface="Microsoft JhengHei" pitchFamily="34" charset="-120"/>
+                <a:ea typeface="Microsoft JhengHei" pitchFamily="34" charset="-120"/>
+              </a:rPr>
+              <a:t>第一</a:t>
+            </a:r>
+            <a:r>
+              <a:rPr lang="zh-CN" altLang="en-US" sz="4800" b="1" dirty="0" smtClean="0">
+                <a:latin typeface="Microsoft JhengHei" pitchFamily="34" charset="-120"/>
+                <a:ea typeface="Microsoft JhengHei" pitchFamily="34" charset="-120"/>
+              </a:rPr>
+              <a:t>誡主說除了我以外</a:t>
+            </a:r>
+            <a:endParaRPr lang="en-US" altLang="zh-CN" sz="4800" b="1" dirty="0" smtClean="0">
+              <a:latin typeface="Microsoft JhengHei" pitchFamily="34" charset="-120"/>
+              <a:ea typeface="Microsoft JhengHei" pitchFamily="34" charset="-120"/>
+            </a:endParaRPr>
+          </a:p>
+          <a:p>
+            <a:pPr marL="0" indent="0" algn="ctr">
+              <a:buNone/>
+            </a:pPr>
+            <a:r>
+              <a:rPr lang="zh-CN" altLang="en-US" sz="4800" b="1" dirty="0">
+                <a:latin typeface="Microsoft JhengHei" pitchFamily="34" charset="-120"/>
+                <a:ea typeface="Microsoft JhengHei" pitchFamily="34" charset="-120"/>
+              </a:rPr>
+              <a:t>不</a:t>
+            </a:r>
+            <a:r>
+              <a:rPr lang="zh-CN" altLang="en-US" sz="4800" b="1" dirty="0" smtClean="0">
+                <a:latin typeface="Microsoft JhengHei" pitchFamily="34" charset="-120"/>
+                <a:ea typeface="Microsoft JhengHei" pitchFamily="34" charset="-120"/>
+              </a:rPr>
+              <a:t>可敬拜別的神</a:t>
+            </a:r>
+            <a:endParaRPr lang="en-US" altLang="zh-CN" sz="4800" b="1" dirty="0" smtClean="0">
+              <a:latin typeface="Microsoft JhengHei" pitchFamily="34" charset="-120"/>
+              <a:ea typeface="Microsoft JhengHei" pitchFamily="34" charset="-120"/>
+            </a:endParaRPr>
+          </a:p>
+          <a:p>
+            <a:pPr marL="0" indent="0" algn="ctr">
+              <a:buNone/>
+            </a:pPr>
+            <a:r>
+              <a:rPr lang="zh-CN" altLang="en-US" sz="4800" b="1" dirty="0">
+                <a:latin typeface="Microsoft JhengHei" pitchFamily="34" charset="-120"/>
+                <a:ea typeface="Microsoft JhengHei" pitchFamily="34" charset="-120"/>
+              </a:rPr>
+              <a:t>第</a:t>
+            </a:r>
+            <a:r>
+              <a:rPr lang="zh-CN" altLang="en-US" sz="4800" b="1" dirty="0" smtClean="0">
+                <a:latin typeface="Microsoft JhengHei" pitchFamily="34" charset="-120"/>
+                <a:ea typeface="Microsoft JhengHei" pitchFamily="34" charset="-120"/>
+              </a:rPr>
+              <a:t>二誡</a:t>
+            </a:r>
+            <a:r>
+              <a:rPr lang="zh-CN" altLang="en-US" sz="4800" b="1" dirty="0">
+                <a:latin typeface="Microsoft JhengHei" pitchFamily="34" charset="-120"/>
+                <a:ea typeface="Microsoft JhengHei" pitchFamily="34" charset="-120"/>
+              </a:rPr>
+              <a:t>不可敬</a:t>
+            </a:r>
+            <a:r>
+              <a:rPr lang="zh-CN" altLang="en-US" sz="4800" b="1" dirty="0" smtClean="0">
+                <a:latin typeface="Microsoft JhengHei" pitchFamily="34" charset="-120"/>
+                <a:ea typeface="Microsoft JhengHei" pitchFamily="34" charset="-120"/>
+              </a:rPr>
+              <a:t>拜偶像</a:t>
+            </a:r>
+            <a:endParaRPr lang="en-US" altLang="zh-CN" sz="4800" b="1" dirty="0" smtClean="0">
+              <a:latin typeface="Microsoft JhengHei" pitchFamily="34" charset="-120"/>
+              <a:ea typeface="Microsoft JhengHei" pitchFamily="34" charset="-120"/>
+            </a:endParaRPr>
+          </a:p>
+          <a:p>
+            <a:pPr marL="0" indent="0" algn="ctr">
+              <a:buNone/>
+            </a:pPr>
+            <a:r>
+              <a:rPr lang="zh-CN" altLang="en-US" sz="4800" b="1" dirty="0" smtClean="0">
+                <a:latin typeface="Microsoft JhengHei" pitchFamily="34" charset="-120"/>
+                <a:ea typeface="Microsoft JhengHei" pitchFamily="34" charset="-120"/>
+              </a:rPr>
+              <a:t>第三誡不可妄稱主名</a:t>
+            </a:r>
+            <a:endParaRPr lang="en-US" sz="4800" b="1" dirty="0">
+              <a:latin typeface="Microsoft JhengHei" pitchFamily="34" charset="-120"/>
+              <a:ea typeface="Microsoft JhengHei" pitchFamily="34" charset="-120"/>
+            </a:endParaRPr>
+          </a:p>
+        </p:txBody>
+      </p:sp>
+    </p:spTree>
+    <p:extLst>
+      <p:ext uri="{BB962C8B-B14F-4D97-AF65-F5344CB8AC3E}">
+        <p14:creationId xmlns:p14="http://schemas.microsoft.com/office/powerpoint/2010/main" xmlns="" val="1114038729"/>
+      </p:ext>
+    </p:extLst>
+  </p:cSld>
+  <p:clrMapOvr>
+    <a:masterClrMapping/>
+  </p:clrMapOvr>
+</p:sld>
+</file>
+
+<file path=ppt/slides/slide7.xml><?xml version="1.0" encoding="utf-8"?>
+<p:sld xmlns:a="http://schemas.openxmlformats.org/drawingml/2006/main" xmlns:r="http://schemas.openxmlformats.org/officeDocument/2006/relationships" xmlns:p="http://schemas.openxmlformats.org/presentationml/2006/main">
+  <p:cSld>
+    <p:spTree>
+      <p:nvGrpSpPr>
+        <p:cNvPr id="1" name=""/>
+        <p:cNvGrpSpPr/>
+        <p:nvPr/>
+      </p:nvGrpSpPr>
+      <p:grpSpPr>
+        <a:xfrm>
+          <a:off x="0" y="0"/>
+          <a:ext cx="0" cy="0"/>
+          <a:chOff x="0" y="0"/>
+          <a:chExt cx="0" cy="0"/>
+        </a:xfrm>
+      </p:grpSpPr>
+      <p:sp>
+        <p:nvSpPr>
+          <p:cNvPr id="2" name="Title 1"/>
+          <p:cNvSpPr>
+            <a:spLocks noGrp="1"/>
+          </p:cNvSpPr>
+          <p:nvPr>
+            <p:ph type="title"/>
+          </p:nvPr>
+        </p:nvSpPr>
+        <p:spPr/>
+        <p:txBody>
+          <a:bodyPr/>
+          <a:lstStyle/>
+          <a:p>
+            <a:r>
+              <a:rPr lang="zh-CN" altLang="en-US" b="1" dirty="0" smtClean="0">
+                <a:latin typeface="Microsoft JhengHei" pitchFamily="34" charset="-120"/>
+                <a:ea typeface="Microsoft JhengHei" pitchFamily="34" charset="-120"/>
+              </a:rPr>
+              <a:t>齊來背十誡</a:t>
+            </a:r>
+            <a:endParaRPr lang="en-US" b="1" dirty="0">
+              <a:latin typeface="Microsoft JhengHei" pitchFamily="34" charset="-120"/>
+              <a:ea typeface="Microsoft JhengHei" pitchFamily="34" charset="-120"/>
+            </a:endParaRPr>
+          </a:p>
+        </p:txBody>
+      </p:sp>
+      <p:sp>
+        <p:nvSpPr>
+          <p:cNvPr id="3" name="Content Placeholder 2"/>
+          <p:cNvSpPr>
+            <a:spLocks noGrp="1"/>
+          </p:cNvSpPr>
+          <p:nvPr>
+            <p:ph idx="1"/>
+          </p:nvPr>
+        </p:nvSpPr>
+        <p:spPr>
+          <a:xfrm>
+            <a:off x="0" y="1200151"/>
+            <a:ext cx="9144000" cy="3394472"/>
+          </a:xfrm>
+        </p:spPr>
+        <p:txBody>
+          <a:bodyPr>
+            <a:normAutofit/>
+          </a:bodyPr>
+          <a:lstStyle/>
+          <a:p>
+            <a:pPr marL="0" indent="0" algn="ctr">
+              <a:buNone/>
+            </a:pPr>
+            <a:r>
+              <a:rPr lang="zh-CN" altLang="en-US" sz="4800" b="1" dirty="0" smtClean="0">
+                <a:latin typeface="Microsoft JhengHei" pitchFamily="34" charset="-120"/>
+                <a:ea typeface="Microsoft JhengHei" pitchFamily="34" charset="-120"/>
+              </a:rPr>
+              <a:t>第四誡記住要守安息日</a:t>
+            </a:r>
+            <a:endParaRPr lang="en-US" altLang="zh-CN" sz="4800" b="1" dirty="0" smtClean="0">
+              <a:latin typeface="Microsoft JhengHei" pitchFamily="34" charset="-120"/>
+              <a:ea typeface="Microsoft JhengHei" pitchFamily="34" charset="-120"/>
+            </a:endParaRPr>
+          </a:p>
+          <a:p>
+            <a:pPr marL="0" indent="0" algn="ctr">
+              <a:buNone/>
+            </a:pPr>
+            <a:r>
+              <a:rPr lang="zh-CN" altLang="en-US" sz="4800" b="1" dirty="0" smtClean="0">
+                <a:latin typeface="Microsoft JhengHei" pitchFamily="34" charset="-120"/>
+                <a:ea typeface="Microsoft JhengHei" pitchFamily="34" charset="-120"/>
+              </a:rPr>
+              <a:t>還剩下其餘六</a:t>
+            </a:r>
+            <a:r>
+              <a:rPr lang="zh-CN" altLang="en-US" sz="4800" b="1" dirty="0">
+                <a:latin typeface="Microsoft JhengHei" pitchFamily="34" charset="-120"/>
+                <a:ea typeface="Microsoft JhengHei" pitchFamily="34" charset="-120"/>
+              </a:rPr>
+              <a:t>誡</a:t>
+            </a:r>
+            <a:endParaRPr lang="en-US" sz="4800" b="1" dirty="0">
+              <a:latin typeface="Microsoft JhengHei" pitchFamily="34" charset="-120"/>
+              <a:ea typeface="Microsoft JhengHei" pitchFamily="34" charset="-120"/>
+            </a:endParaRPr>
+          </a:p>
+        </p:txBody>
+      </p:sp>
+    </p:spTree>
+    <p:extLst>
+      <p:ext uri="{BB962C8B-B14F-4D97-AF65-F5344CB8AC3E}">
+        <p14:creationId xmlns:p14="http://schemas.microsoft.com/office/powerpoint/2010/main" xmlns="" val="1773839311"/>
+      </p:ext>
+    </p:extLst>
+  </p:cSld>
+  <p:clrMapOvr>
+    <a:masterClrMapping/>
+  </p:clrMapOvr>
+</p:sld>
+</file>
+
+<file path=ppt/slides/slide8.xml><?xml version="1.0" encoding="utf-8"?>
+<p:sld xmlns:a="http://schemas.openxmlformats.org/drawingml/2006/main" xmlns:r="http://schemas.openxmlformats.org/officeDocument/2006/relationships" xmlns:p="http://schemas.openxmlformats.org/presentationml/2006/main">
+  <p:cSld>
+    <p:spTree>
+      <p:nvGrpSpPr>
+        <p:cNvPr id="1" name=""/>
+        <p:cNvGrpSpPr/>
+        <p:nvPr/>
+      </p:nvGrpSpPr>
+      <p:grpSpPr>
+        <a:xfrm>
+          <a:off x="0" y="0"/>
+          <a:ext cx="0" cy="0"/>
+          <a:chOff x="0" y="0"/>
+          <a:chExt cx="0" cy="0"/>
+        </a:xfrm>
+      </p:grpSpPr>
+      <p:sp>
+        <p:nvSpPr>
+          <p:cNvPr id="2" name="Title 1"/>
+          <p:cNvSpPr>
+            <a:spLocks noGrp="1"/>
+          </p:cNvSpPr>
+          <p:nvPr>
+            <p:ph type="title"/>
+          </p:nvPr>
+        </p:nvSpPr>
+        <p:spPr/>
+        <p:txBody>
+          <a:bodyPr/>
+          <a:lstStyle/>
+          <a:p>
+            <a:r>
+              <a:rPr lang="zh-CN" altLang="en-US" b="1" dirty="0" smtClean="0">
+                <a:latin typeface="Microsoft JhengHei" pitchFamily="34" charset="-120"/>
+                <a:ea typeface="Microsoft JhengHei" pitchFamily="34" charset="-120"/>
+              </a:rPr>
+              <a:t>齊來背十誡</a:t>
+            </a:r>
+            <a:endParaRPr lang="en-US" b="1" dirty="0">
+              <a:latin typeface="Microsoft JhengHei" pitchFamily="34" charset="-120"/>
+              <a:ea typeface="Microsoft JhengHei" pitchFamily="34" charset="-120"/>
+            </a:endParaRPr>
+          </a:p>
+        </p:txBody>
+      </p:sp>
+      <p:sp>
+        <p:nvSpPr>
+          <p:cNvPr id="3" name="Content Placeholder 2"/>
+          <p:cNvSpPr>
+            <a:spLocks noGrp="1"/>
+          </p:cNvSpPr>
+          <p:nvPr>
+            <p:ph idx="1"/>
+          </p:nvPr>
+        </p:nvSpPr>
+        <p:spPr>
+          <a:xfrm>
+            <a:off x="0" y="1200151"/>
+            <a:ext cx="9144000" cy="3394472"/>
+          </a:xfrm>
+        </p:spPr>
+        <p:txBody>
+          <a:bodyPr>
+            <a:normAutofit/>
+          </a:bodyPr>
+          <a:lstStyle/>
+          <a:p>
+            <a:pPr marL="0" indent="0" algn="ctr">
+              <a:buNone/>
+            </a:pPr>
+            <a:r>
+              <a:rPr lang="zh-CN" altLang="en-US" sz="4800" b="1" dirty="0" smtClean="0">
+                <a:latin typeface="Microsoft JhengHei" pitchFamily="34" charset="-120"/>
+                <a:ea typeface="Microsoft JhengHei" pitchFamily="34" charset="-120"/>
+              </a:rPr>
+              <a:t>十誡是十誡</a:t>
+            </a:r>
+            <a:r>
+              <a:rPr lang="en-US" altLang="zh-CN" sz="4800" b="1" dirty="0">
+                <a:latin typeface="Microsoft JhengHei" pitchFamily="34" charset="-120"/>
+                <a:ea typeface="Microsoft JhengHei" pitchFamily="34" charset="-120"/>
+              </a:rPr>
+              <a:t> </a:t>
+            </a:r>
+            <a:r>
+              <a:rPr lang="en-US" altLang="zh-CN" sz="4800" b="1" dirty="0" smtClean="0">
+                <a:latin typeface="Microsoft JhengHei" pitchFamily="34" charset="-120"/>
+                <a:ea typeface="Microsoft JhengHei" pitchFamily="34" charset="-120"/>
+              </a:rPr>
+              <a:t>  </a:t>
+            </a:r>
+            <a:r>
+              <a:rPr lang="zh-CN" altLang="en-US" sz="4800" b="1" dirty="0" smtClean="0">
+                <a:latin typeface="Microsoft JhengHei" pitchFamily="34" charset="-120"/>
+                <a:ea typeface="Microsoft JhengHei" pitchFamily="34" charset="-120"/>
+              </a:rPr>
+              <a:t>你</a:t>
+            </a:r>
+            <a:r>
+              <a:rPr lang="zh-CN" altLang="en-US" sz="4800" b="1" dirty="0">
+                <a:latin typeface="Microsoft JhengHei" pitchFamily="34" charset="-120"/>
+                <a:ea typeface="Microsoft JhengHei" pitchFamily="34" charset="-120"/>
+              </a:rPr>
+              <a:t>我也</a:t>
+            </a:r>
+            <a:r>
+              <a:rPr lang="zh-CN" altLang="en-US" sz="4800" b="1" dirty="0" smtClean="0">
+                <a:latin typeface="Microsoft JhengHei" pitchFamily="34" charset="-120"/>
+                <a:ea typeface="Microsoft JhengHei" pitchFamily="34" charset="-120"/>
+              </a:rPr>
+              <a:t>當守十誡</a:t>
+            </a:r>
+            <a:endParaRPr lang="en-US" altLang="zh-CN" sz="4800" b="1" dirty="0" smtClean="0">
+              <a:latin typeface="Microsoft JhengHei" pitchFamily="34" charset="-120"/>
+              <a:ea typeface="Microsoft JhengHei" pitchFamily="34" charset="-120"/>
+            </a:endParaRPr>
+          </a:p>
+          <a:p>
+            <a:pPr marL="0" indent="0" algn="ctr">
+              <a:buNone/>
+            </a:pPr>
+            <a:r>
+              <a:rPr lang="zh-CN" altLang="en-US" sz="4800" b="1" dirty="0" smtClean="0">
+                <a:latin typeface="Microsoft JhengHei" pitchFamily="34" charset="-120"/>
+                <a:ea typeface="Microsoft JhengHei" pitchFamily="34" charset="-120"/>
+              </a:rPr>
+              <a:t>誰快   誰人快</a:t>
+            </a:r>
+            <a:endParaRPr lang="en-US" altLang="zh-CN" sz="4800" b="1" dirty="0" smtClean="0">
+              <a:latin typeface="Microsoft JhengHei" pitchFamily="34" charset="-120"/>
+              <a:ea typeface="Microsoft JhengHei" pitchFamily="34" charset="-120"/>
+            </a:endParaRPr>
+          </a:p>
+          <a:p>
+            <a:pPr marL="0" indent="0" algn="ctr">
+              <a:buNone/>
+            </a:pPr>
+            <a:r>
+              <a:rPr lang="zh-CN" altLang="en-US" sz="4800" b="1" dirty="0">
+                <a:latin typeface="Microsoft JhengHei" pitchFamily="34" charset="-120"/>
+                <a:ea typeface="Microsoft JhengHei" pitchFamily="34" charset="-120"/>
+              </a:rPr>
+              <a:t>誰</a:t>
+            </a:r>
+            <a:r>
+              <a:rPr lang="zh-CN" altLang="en-US" sz="4800" b="1" dirty="0" smtClean="0">
+                <a:latin typeface="Microsoft JhengHei" pitchFamily="34" charset="-120"/>
+                <a:ea typeface="Microsoft JhengHei" pitchFamily="34" charset="-120"/>
+              </a:rPr>
+              <a:t>能夠最背得快</a:t>
+            </a:r>
+            <a:endParaRPr lang="en-US" sz="4800" b="1" dirty="0">
+              <a:latin typeface="Microsoft JhengHei" pitchFamily="34" charset="-120"/>
+              <a:ea typeface="Microsoft JhengHei" pitchFamily="34" charset="-120"/>
+            </a:endParaRPr>
+          </a:p>
+        </p:txBody>
+      </p:sp>
+    </p:spTree>
+    <p:extLst>
+      <p:ext uri="{BB962C8B-B14F-4D97-AF65-F5344CB8AC3E}">
+        <p14:creationId xmlns:p14="http://schemas.microsoft.com/office/powerpoint/2010/main" xmlns="" val="4173146195"/>
+      </p:ext>
+    </p:extLst>
+  </p:cSld>
+  <p:clrMapOvr>
+    <a:masterClrMapping/>
+  </p:clrMapOvr>
+</p:sld>
+</file>
+
+<file path=ppt/slides/slide9.xml><?xml version="1.0" encoding="utf-8"?>
+<p:sld xmlns:a="http://schemas.openxmlformats.org/drawingml/2006/main" xmlns:r="http://schemas.openxmlformats.org/officeDocument/2006/relationships" xmlns:p="http://schemas.openxmlformats.org/presentationml/2006/main">
+  <p:cSld>
+    <p:spTree>
+      <p:nvGrpSpPr>
+        <p:cNvPr id="1" name=""/>
+        <p:cNvGrpSpPr/>
+        <p:nvPr/>
+      </p:nvGrpSpPr>
+      <p:grpSpPr>
+        <a:xfrm>
+          <a:off x="0" y="0"/>
+          <a:ext cx="0" cy="0"/>
+          <a:chOff x="0" y="0"/>
+          <a:chExt cx="0" cy="0"/>
+        </a:xfrm>
+      </p:grpSpPr>
+      <p:sp>
+        <p:nvSpPr>
+          <p:cNvPr id="2" name="Title 1"/>
+          <p:cNvSpPr>
+            <a:spLocks noGrp="1"/>
+          </p:cNvSpPr>
+          <p:nvPr>
+            <p:ph type="title"/>
+          </p:nvPr>
+        </p:nvSpPr>
+        <p:spPr/>
+        <p:txBody>
+          <a:bodyPr/>
+          <a:lstStyle/>
+          <a:p>
+            <a:r>
+              <a:rPr lang="zh-CN" altLang="en-US" b="1" dirty="0" smtClean="0">
+                <a:latin typeface="Microsoft JhengHei" pitchFamily="34" charset="-120"/>
+                <a:ea typeface="Microsoft JhengHei" pitchFamily="34" charset="-120"/>
+              </a:rPr>
+              <a:t>齊來背十誡</a:t>
+            </a:r>
+            <a:endParaRPr lang="en-US" b="1" dirty="0">
+              <a:latin typeface="Microsoft JhengHei" pitchFamily="34" charset="-120"/>
+              <a:ea typeface="Microsoft JhengHei" pitchFamily="34" charset="-120"/>
+            </a:endParaRPr>
+          </a:p>
+        </p:txBody>
+      </p:sp>
+      <p:sp>
+        <p:nvSpPr>
+          <p:cNvPr id="3" name="Content Placeholder 2"/>
+          <p:cNvSpPr>
+            <a:spLocks noGrp="1"/>
+          </p:cNvSpPr>
+          <p:nvPr>
+            <p:ph idx="1"/>
+          </p:nvPr>
+        </p:nvSpPr>
+        <p:spPr>
+          <a:xfrm>
+            <a:off x="0" y="1200151"/>
+            <a:ext cx="9144000" cy="3394472"/>
+          </a:xfrm>
+        </p:spPr>
+        <p:txBody>
+          <a:bodyPr>
+            <a:normAutofit lnSpcReduction="10000"/>
+          </a:bodyPr>
+          <a:lstStyle/>
+          <a:p>
+            <a:pPr marL="0" indent="0" algn="ctr">
+              <a:buNone/>
+            </a:pPr>
+            <a:r>
+              <a:rPr lang="zh-CN" altLang="en-US" sz="4800" b="1" dirty="0">
+                <a:latin typeface="Microsoft JhengHei" pitchFamily="34" charset="-120"/>
+                <a:ea typeface="Microsoft JhengHei" pitchFamily="34" charset="-120"/>
+              </a:rPr>
+              <a:t>你家裡的父</a:t>
+            </a:r>
+            <a:r>
+              <a:rPr lang="zh-CN" altLang="en-US" sz="4800" b="1" dirty="0" smtClean="0">
+                <a:latin typeface="Microsoft JhengHei" pitchFamily="34" charset="-120"/>
+                <a:ea typeface="Microsoft JhengHei" pitchFamily="34" charset="-120"/>
+              </a:rPr>
+              <a:t>母當孝順</a:t>
+            </a:r>
+            <a:endParaRPr lang="en-US" altLang="zh-CN" sz="4800" b="1" dirty="0" smtClean="0">
+              <a:latin typeface="Microsoft JhengHei" pitchFamily="34" charset="-120"/>
+              <a:ea typeface="Microsoft JhengHei" pitchFamily="34" charset="-120"/>
+            </a:endParaRPr>
+          </a:p>
+          <a:p>
+            <a:pPr marL="0" indent="0" algn="ctr">
+              <a:buNone/>
+            </a:pPr>
+            <a:r>
+              <a:rPr lang="zh-CN" altLang="en-US" sz="4800" b="1" dirty="0">
+                <a:latin typeface="Microsoft JhengHei" pitchFamily="34" charset="-120"/>
+                <a:ea typeface="Microsoft JhengHei" pitchFamily="34" charset="-120"/>
+              </a:rPr>
+              <a:t>不殺</a:t>
+            </a:r>
+            <a:r>
+              <a:rPr lang="zh-CN" altLang="en-US" sz="4800" b="1" dirty="0" smtClean="0">
+                <a:latin typeface="Microsoft JhengHei" pitchFamily="34" charset="-120"/>
+                <a:ea typeface="Microsoft JhengHei" pitchFamily="34" charset="-120"/>
+              </a:rPr>
+              <a:t>人不可姦淫</a:t>
+            </a:r>
+            <a:endParaRPr lang="en-US" altLang="zh-CN" sz="4800" b="1" dirty="0" smtClean="0">
+              <a:latin typeface="Microsoft JhengHei" pitchFamily="34" charset="-120"/>
+              <a:ea typeface="Microsoft JhengHei" pitchFamily="34" charset="-120"/>
+            </a:endParaRPr>
+          </a:p>
+          <a:p>
+            <a:pPr marL="0" indent="0" algn="ctr">
+              <a:buNone/>
+            </a:pPr>
+            <a:r>
+              <a:rPr lang="zh-CN" altLang="en-US" sz="4800" b="1" dirty="0">
+                <a:latin typeface="Microsoft JhengHei" pitchFamily="34" charset="-120"/>
+                <a:ea typeface="Microsoft JhengHei" pitchFamily="34" charset="-120"/>
+              </a:rPr>
+              <a:t>還嚴禁偷</a:t>
+            </a:r>
+            <a:r>
+              <a:rPr lang="zh-CN" altLang="en-US" sz="4800" b="1" dirty="0" smtClean="0">
+                <a:latin typeface="Microsoft JhengHei" pitchFamily="34" charset="-120"/>
+                <a:ea typeface="Microsoft JhengHei" pitchFamily="34" charset="-120"/>
+              </a:rPr>
+              <a:t>竊別人的東西</a:t>
+            </a:r>
+            <a:endParaRPr lang="en-US" altLang="zh-CN" sz="4800" b="1" dirty="0" smtClean="0">
+              <a:latin typeface="Microsoft JhengHei" pitchFamily="34" charset="-120"/>
+              <a:ea typeface="Microsoft JhengHei" pitchFamily="34" charset="-120"/>
+            </a:endParaRPr>
+          </a:p>
+          <a:p>
+            <a:pPr marL="0" indent="0" algn="ctr">
+              <a:buNone/>
+            </a:pPr>
+            <a:r>
+              <a:rPr lang="zh-CN" altLang="en-US" sz="4800" b="1" dirty="0">
+                <a:latin typeface="Microsoft JhengHei" pitchFamily="34" charset="-120"/>
+                <a:ea typeface="Microsoft JhengHei" pitchFamily="34" charset="-120"/>
+              </a:rPr>
+              <a:t>更加不應亂作假見証</a:t>
+            </a:r>
+            <a:endParaRPr lang="en-US" sz="4800" b="1" dirty="0">
+              <a:latin typeface="Microsoft JhengHei" pitchFamily="34" charset="-120"/>
+              <a:ea typeface="Microsoft JhengHei" pitchFamily="34" charset="-120"/>
+            </a:endParaRPr>
+          </a:p>
+        </p:txBody>
+      </p:sp>
+    </p:spTree>
+    <p:extLst>
+      <p:ext uri="{BB962C8B-B14F-4D97-AF65-F5344CB8AC3E}">
+        <p14:creationId xmlns:p14="http://schemas.microsoft.com/office/powerpoint/2010/main" xmlns="" val="486525278"/>
       </p:ext>
     </p:extLst>
   </p:cSld>

--- a/2019/9月.pptx
+++ b/2019/9月.pptx
@@ -298,7 +298,7 @@
             <a:fld id="{60E4E40C-4DE3-43D1-94F4-B6FCDADA3F6F}" type="datetimeFigureOut">
               <a:rPr lang="en-US" smtClean="0"/>
               <a:pPr/>
-              <a:t>9/15/2019</a:t>
+              <a:t>9/29/2019</a:t>
             </a:fld>
             <a:endParaRPr lang="en-US"/>
           </a:p>
@@ -465,7 +465,7 @@
             <a:fld id="{60E4E40C-4DE3-43D1-94F4-B6FCDADA3F6F}" type="datetimeFigureOut">
               <a:rPr lang="en-US" smtClean="0"/>
               <a:pPr/>
-              <a:t>9/15/2019</a:t>
+              <a:t>9/29/2019</a:t>
             </a:fld>
             <a:endParaRPr lang="en-US"/>
           </a:p>
@@ -642,7 +642,7 @@
             <a:fld id="{60E4E40C-4DE3-43D1-94F4-B6FCDADA3F6F}" type="datetimeFigureOut">
               <a:rPr lang="en-US" smtClean="0"/>
               <a:pPr/>
-              <a:t>9/15/2019</a:t>
+              <a:t>9/29/2019</a:t>
             </a:fld>
             <a:endParaRPr lang="en-US"/>
           </a:p>
@@ -809,7 +809,7 @@
             <a:fld id="{60E4E40C-4DE3-43D1-94F4-B6FCDADA3F6F}" type="datetimeFigureOut">
               <a:rPr lang="en-US" smtClean="0"/>
               <a:pPr/>
-              <a:t>9/15/2019</a:t>
+              <a:t>9/29/2019</a:t>
             </a:fld>
             <a:endParaRPr lang="en-US"/>
           </a:p>
@@ -1052,7 +1052,7 @@
             <a:fld id="{60E4E40C-4DE3-43D1-94F4-B6FCDADA3F6F}" type="datetimeFigureOut">
               <a:rPr lang="en-US" smtClean="0"/>
               <a:pPr/>
-              <a:t>9/15/2019</a:t>
+              <a:t>9/29/2019</a:t>
             </a:fld>
             <a:endParaRPr lang="en-US"/>
           </a:p>
@@ -1337,7 +1337,7 @@
             <a:fld id="{60E4E40C-4DE3-43D1-94F4-B6FCDADA3F6F}" type="datetimeFigureOut">
               <a:rPr lang="en-US" smtClean="0"/>
               <a:pPr/>
-              <a:t>9/15/2019</a:t>
+              <a:t>9/29/2019</a:t>
             </a:fld>
             <a:endParaRPr lang="en-US"/>
           </a:p>
@@ -1756,7 +1756,7 @@
             <a:fld id="{60E4E40C-4DE3-43D1-94F4-B6FCDADA3F6F}" type="datetimeFigureOut">
               <a:rPr lang="en-US" smtClean="0"/>
               <a:pPr/>
-              <a:t>9/15/2019</a:t>
+              <a:t>9/29/2019</a:t>
             </a:fld>
             <a:endParaRPr lang="en-US"/>
           </a:p>
@@ -1871,7 +1871,7 @@
             <a:fld id="{60E4E40C-4DE3-43D1-94F4-B6FCDADA3F6F}" type="datetimeFigureOut">
               <a:rPr lang="en-US" smtClean="0"/>
               <a:pPr/>
-              <a:t>9/15/2019</a:t>
+              <a:t>9/29/2019</a:t>
             </a:fld>
             <a:endParaRPr lang="en-US"/>
           </a:p>
@@ -1963,7 +1963,7 @@
             <a:fld id="{60E4E40C-4DE3-43D1-94F4-B6FCDADA3F6F}" type="datetimeFigureOut">
               <a:rPr lang="en-US" smtClean="0"/>
               <a:pPr/>
-              <a:t>9/15/2019</a:t>
+              <a:t>9/29/2019</a:t>
             </a:fld>
             <a:endParaRPr lang="en-US"/>
           </a:p>
@@ -2237,7 +2237,7 @@
             <a:fld id="{60E4E40C-4DE3-43D1-94F4-B6FCDADA3F6F}" type="datetimeFigureOut">
               <a:rPr lang="en-US" smtClean="0"/>
               <a:pPr/>
-              <a:t>9/15/2019</a:t>
+              <a:t>9/29/2019</a:t>
             </a:fld>
             <a:endParaRPr lang="en-US"/>
           </a:p>
@@ -2491,7 +2491,7 @@
             <a:fld id="{60E4E40C-4DE3-43D1-94F4-B6FCDADA3F6F}" type="datetimeFigureOut">
               <a:rPr lang="en-US" smtClean="0"/>
               <a:pPr/>
-              <a:t>9/15/2019</a:t>
+              <a:t>9/29/2019</a:t>
             </a:fld>
             <a:endParaRPr lang="en-US"/>
           </a:p>
@@ -2706,7 +2706,7 @@
             <a:fld id="{60E4E40C-4DE3-43D1-94F4-B6FCDADA3F6F}" type="datetimeFigureOut">
               <a:rPr lang="en-US" smtClean="0"/>
               <a:pPr/>
-              <a:t>9/15/2019</a:t>
+              <a:t>9/29/2019</a:t>
             </a:fld>
             <a:endParaRPr lang="en-US"/>
           </a:p>
@@ -3179,7 +3179,17 @@
                 <a:latin typeface="Microsoft JhengHei" pitchFamily="34" charset="-120"/>
                 <a:ea typeface="Microsoft JhengHei" pitchFamily="34" charset="-120"/>
               </a:rPr>
-              <a:t>衝衝</a:t>
+              <a:t>匆</a:t>
+            </a:r>
+            <a:r>
+              <a:rPr lang="zh-CN" altLang="en-US" sz="4800" b="1" dirty="0" smtClean="0">
+                <a:solidFill>
+                  <a:srgbClr val="C00000"/>
+                </a:solidFill>
+                <a:latin typeface="Microsoft JhengHei" pitchFamily="34" charset="-120"/>
+                <a:ea typeface="Microsoft JhengHei" pitchFamily="34" charset="-120"/>
+              </a:rPr>
+              <a:t>匆</a:t>
             </a:r>
             <a:r>
               <a:rPr lang="zh-TW" altLang="en-US" sz="4800" b="1" dirty="0" smtClean="0">
@@ -3189,7 +3199,17 @@
                 <a:latin typeface="Microsoft JhengHei" pitchFamily="34" charset="-120"/>
                 <a:ea typeface="Microsoft JhengHei" pitchFamily="34" charset="-120"/>
               </a:rPr>
-              <a:t>湧流</a:t>
+              <a:t>湧</a:t>
+            </a:r>
+            <a:r>
+              <a:rPr lang="zh-TW" altLang="en-US" sz="4800" b="1" dirty="0" smtClean="0">
+                <a:solidFill>
+                  <a:srgbClr val="C00000"/>
+                </a:solidFill>
+                <a:latin typeface="Microsoft JhengHei" pitchFamily="34" charset="-120"/>
+                <a:ea typeface="Microsoft JhengHei" pitchFamily="34" charset="-120"/>
+              </a:rPr>
+              <a:t>流</a:t>
             </a:r>
           </a:p>
           <a:p>
@@ -3241,7 +3261,7 @@
     </p:spTree>
     <p:extLst>
       <p:ext uri="{BB962C8B-B14F-4D97-AF65-F5344CB8AC3E}">
-        <p14:creationId xmlns:p14="http://schemas.microsoft.com/office/powerpoint/2010/main" xmlns="" val="3567590283"/>
+        <p14:creationId xmlns="" xmlns:p14="http://schemas.microsoft.com/office/powerpoint/2010/main" val="3567590283"/>
       </p:ext>
     </p:extLst>
   </p:cSld>
@@ -3362,13 +3382,20 @@
     </p:spTree>
     <p:extLst>
       <p:ext uri="{BB962C8B-B14F-4D97-AF65-F5344CB8AC3E}">
-        <p14:creationId xmlns:p14="http://schemas.microsoft.com/office/powerpoint/2010/main" xmlns="" val="2171381558"/>
+        <p14:creationId xmlns="" xmlns:p14="http://schemas.microsoft.com/office/powerpoint/2010/main" val="2171381558"/>
       </p:ext>
     </p:extLst>
   </p:cSld>
   <p:clrMapOvr>
     <a:masterClrMapping/>
   </p:clrMapOvr>
+  <p:timing>
+    <p:tnLst>
+      <p:par>
+        <p:cTn id="1" dur="indefinite" restart="never" nodeType="tmRoot"/>
+      </p:par>
+    </p:tnLst>
+  </p:timing>
 </p:sld>
 </file>
 
@@ -3526,7 +3553,7 @@
     </p:spTree>
     <p:extLst>
       <p:ext uri="{BB962C8B-B14F-4D97-AF65-F5344CB8AC3E}">
-        <p14:creationId xmlns:p14="http://schemas.microsoft.com/office/powerpoint/2010/main" xmlns="" val="1567972749"/>
+        <p14:creationId xmlns="" xmlns:p14="http://schemas.microsoft.com/office/powerpoint/2010/main" val="1567972749"/>
       </p:ext>
     </p:extLst>
   </p:cSld>
@@ -3722,7 +3749,7 @@
     </p:spTree>
     <p:extLst>
       <p:ext uri="{BB962C8B-B14F-4D97-AF65-F5344CB8AC3E}">
-        <p14:creationId xmlns:p14="http://schemas.microsoft.com/office/powerpoint/2010/main" xmlns="" val="3951946685"/>
+        <p14:creationId xmlns="" xmlns:p14="http://schemas.microsoft.com/office/powerpoint/2010/main" val="3951946685"/>
       </p:ext>
     </p:extLst>
   </p:cSld>
@@ -3867,13 +3894,20 @@
     </p:spTree>
     <p:extLst>
       <p:ext uri="{BB962C8B-B14F-4D97-AF65-F5344CB8AC3E}">
-        <p14:creationId xmlns:p14="http://schemas.microsoft.com/office/powerpoint/2010/main" xmlns="" val="711146041"/>
+        <p14:creationId xmlns="" xmlns:p14="http://schemas.microsoft.com/office/powerpoint/2010/main" val="711146041"/>
       </p:ext>
     </p:extLst>
   </p:cSld>
   <p:clrMapOvr>
     <a:masterClrMapping/>
   </p:clrMapOvr>
+  <p:timing>
+    <p:tnLst>
+      <p:par>
+        <p:cTn id="1" dur="indefinite" restart="never" nodeType="tmRoot"/>
+      </p:par>
+    </p:tnLst>
+  </p:timing>
 </p:sld>
 </file>
 
@@ -4039,13 +4073,20 @@
     </p:spTree>
     <p:extLst>
       <p:ext uri="{BB962C8B-B14F-4D97-AF65-F5344CB8AC3E}">
-        <p14:creationId xmlns:p14="http://schemas.microsoft.com/office/powerpoint/2010/main" xmlns="" val="42310119"/>
+        <p14:creationId xmlns="" xmlns:p14="http://schemas.microsoft.com/office/powerpoint/2010/main" val="42310119"/>
       </p:ext>
     </p:extLst>
   </p:cSld>
   <p:clrMapOvr>
     <a:masterClrMapping/>
   </p:clrMapOvr>
+  <p:timing>
+    <p:tnLst>
+      <p:par>
+        <p:cTn id="1" dur="indefinite" restart="never" nodeType="tmRoot"/>
+      </p:par>
+    </p:tnLst>
+  </p:timing>
 </p:sld>
 </file>
 
@@ -4220,13 +4261,20 @@
     </p:spTree>
     <p:extLst>
       <p:ext uri="{BB962C8B-B14F-4D97-AF65-F5344CB8AC3E}">
-        <p14:creationId xmlns:p14="http://schemas.microsoft.com/office/powerpoint/2010/main" xmlns="" val="1114038729"/>
+        <p14:creationId xmlns="" xmlns:p14="http://schemas.microsoft.com/office/powerpoint/2010/main" val="1114038729"/>
       </p:ext>
     </p:extLst>
   </p:cSld>
   <p:clrMapOvr>
     <a:masterClrMapping/>
   </p:clrMapOvr>
+  <p:timing>
+    <p:tnLst>
+      <p:par>
+        <p:cTn id="1" dur="indefinite" restart="never" nodeType="tmRoot"/>
+      </p:par>
+    </p:tnLst>
+  </p:timing>
 </p:sld>
 </file>
 
@@ -4341,13 +4389,20 @@
     </p:spTree>
     <p:extLst>
       <p:ext uri="{BB962C8B-B14F-4D97-AF65-F5344CB8AC3E}">
-        <p14:creationId xmlns:p14="http://schemas.microsoft.com/office/powerpoint/2010/main" xmlns="" val="1773839311"/>
+        <p14:creationId xmlns="" xmlns:p14="http://schemas.microsoft.com/office/powerpoint/2010/main" val="1773839311"/>
       </p:ext>
     </p:extLst>
   </p:cSld>
   <p:clrMapOvr>
     <a:masterClrMapping/>
   </p:clrMapOvr>
+  <p:timing>
+    <p:tnLst>
+      <p:par>
+        <p:cTn id="1" dur="indefinite" restart="never" nodeType="tmRoot"/>
+      </p:par>
+    </p:tnLst>
+  </p:timing>
 </p:sld>
 </file>
 
@@ -4513,13 +4568,20 @@
     </p:spTree>
     <p:extLst>
       <p:ext uri="{BB962C8B-B14F-4D97-AF65-F5344CB8AC3E}">
-        <p14:creationId xmlns:p14="http://schemas.microsoft.com/office/powerpoint/2010/main" xmlns="" val="4173146195"/>
+        <p14:creationId xmlns="" xmlns:p14="http://schemas.microsoft.com/office/powerpoint/2010/main" val="4173146195"/>
       </p:ext>
     </p:extLst>
   </p:cSld>
   <p:clrMapOvr>
     <a:masterClrMapping/>
   </p:clrMapOvr>
+  <p:timing>
+    <p:tnLst>
+      <p:par>
+        <p:cTn id="1" dur="indefinite" restart="never" nodeType="tmRoot"/>
+      </p:par>
+    </p:tnLst>
+  </p:timing>
 </p:sld>
 </file>
 
@@ -4680,13 +4742,20 @@
     </p:spTree>
     <p:extLst>
       <p:ext uri="{BB962C8B-B14F-4D97-AF65-F5344CB8AC3E}">
-        <p14:creationId xmlns:p14="http://schemas.microsoft.com/office/powerpoint/2010/main" xmlns="" val="486525278"/>
+        <p14:creationId xmlns="" xmlns:p14="http://schemas.microsoft.com/office/powerpoint/2010/main" val="486525278"/>
       </p:ext>
     </p:extLst>
   </p:cSld>
   <p:clrMapOvr>
     <a:masterClrMapping/>
   </p:clrMapOvr>
+  <p:timing>
+    <p:tnLst>
+      <p:par>
+        <p:cTn id="1" dur="indefinite" restart="never" nodeType="tmRoot"/>
+      </p:par>
+    </p:tnLst>
+  </p:timing>
 </p:sld>
 </file>
 
